--- a/2018-05-27-workshop-intro.pptx
+++ b/2018-05-27-workshop-intro.pptx
@@ -110,6 +110,11 @@
       </a:defRPr>
     </a:lvl9pPr>
   </p:defaultTextStyle>
+  <p:extLst>
+    <p:ext uri="{EFAFB233-063F-42B5-8137-9DF3F51BA10A}">
+      <p15:sldGuideLst xmlns:p15="http://schemas.microsoft.com/office/powerpoint/2012/main"/>
+    </p:ext>
+  </p:extLst>
 </p:presentation>
 </file>
 
@@ -3622,11 +3627,7 @@
           <a:p>
             <a:r>
               <a:rPr lang="en-US" dirty="0" smtClean="0"/>
-              <a:t>The ESPEI </a:t>
-            </a:r>
-            <a:r>
-              <a:rPr lang="en-US" dirty="0" smtClean="0"/>
-              <a:t>(Simplified)</a:t>
+              <a:t>The ESPEI (Simplified)</a:t>
             </a:r>
             <a:r>
               <a:rPr lang="en-US" dirty="0"/>
@@ -3867,7 +3868,6 @@
               <a:rPr lang="en-US" sz="2800" dirty="0"/>
               <a:t>Symbolic computation</a:t>
             </a:r>
-            <a:endParaRPr lang="en-US" sz="2800" dirty="0"/>
           </a:p>
         </p:txBody>
       </p:sp>
@@ -3932,7 +3932,6 @@
               <a:rPr lang="en-US" sz="2800" dirty="0"/>
               <a:t>Data management</a:t>
             </a:r>
-            <a:endParaRPr lang="en-US" sz="2800" dirty="0"/>
           </a:p>
         </p:txBody>
       </p:sp>
@@ -4035,7 +4034,6 @@
               <a:rPr lang="en-US" sz="2800" dirty="0"/>
               <a:t>Phase diagrams</a:t>
             </a:r>
-            <a:endParaRPr lang="en-US" sz="2800" dirty="0"/>
           </a:p>
         </p:txBody>
       </p:sp>
@@ -4249,15 +4247,7 @@
           <a:p>
             <a:r>
               <a:rPr lang="en-US" dirty="0" smtClean="0"/>
-              <a:t>Prof. Zi-Kui Liu (PSU) advises on </a:t>
-            </a:r>
-            <a:r>
-              <a:rPr lang="en-US" dirty="0" smtClean="0"/>
-              <a:t>both projects </a:t>
-            </a:r>
-            <a:r>
-              <a:rPr lang="en-US" dirty="0" smtClean="0"/>
-              <a:t>and leads public outreach efforts.</a:t>
+              <a:t>Prof. Zi-Kui Liu (PSU) advises on both projects and leads public outreach efforts.</a:t>
             </a:r>
             <a:endParaRPr lang="en-US" dirty="0"/>
           </a:p>
@@ -4604,9 +4594,16 @@
             <p:ph idx="1"/>
           </p:nvPr>
         </p:nvSpPr>
-        <p:spPr/>
-        <p:txBody>
-          <a:bodyPr/>
+        <p:spPr>
+          <a:xfrm>
+            <a:off x="838199" y="1825625"/>
+            <a:ext cx="10889751" cy="4351338"/>
+          </a:xfrm>
+        </p:spPr>
+        <p:txBody>
+          <a:bodyPr>
+            <a:normAutofit fontScale="92500" lnSpcReduction="20000"/>
+          </a:bodyPr>
           <a:lstStyle/>
           <a:p>
             <a:r>
@@ -4614,16 +4611,16 @@
               <a:t>1. Download from </a:t>
             </a:r>
             <a:r>
-              <a:rPr lang="en-US" dirty="0" smtClean="0">
-                <a:solidFill>
-                  <a:srgbClr val="FF0000"/>
-                </a:solidFill>
-              </a:rPr>
-              <a:t>pycalphad.org/downloads</a:t>
+              <a:rPr lang="en-US" dirty="0"/>
+              <a:t>https://app.box.com/folder/49757976049</a:t>
             </a:r>
             <a:r>
               <a:rPr lang="en-US" dirty="0" smtClean="0"/>
-              <a:t> or copy from USB</a:t>
+              <a:t> </a:t>
+            </a:r>
+            <a:r>
+              <a:rPr lang="en-US" dirty="0" smtClean="0"/>
+              <a:t>or copy from USB</a:t>
             </a:r>
           </a:p>
           <a:p>
@@ -4636,36 +4633,117 @@
             <a:pPr lvl="1"/>
             <a:r>
               <a:rPr lang="en-US" dirty="0" smtClean="0"/>
-              <a:t>Check “yes” to add Anaconda to your PATH</a:t>
-            </a:r>
+              <a:t>Accept license agreement and use default options</a:t>
+            </a:r>
+            <a:endParaRPr lang="en-US" dirty="0" smtClean="0"/>
           </a:p>
           <a:p>
             <a:r>
               <a:rPr lang="en-US" dirty="0" smtClean="0"/>
-              <a:t>3. Copy the workshop files to somewhere in your HOME directory</a:t>
-            </a:r>
-          </a:p>
-          <a:p>
+              <a:t>3. Copy the workshop files to somewhere in your HOME </a:t>
+            </a:r>
             <a:r>
               <a:rPr lang="en-US" dirty="0" smtClean="0"/>
-              <a:t>4a. Windows: Click the “Anaconda Prompt” in the Start menu</a:t>
+              <a:t>directory</a:t>
             </a:r>
           </a:p>
           <a:p>
             <a:r>
               <a:rPr lang="en-US" dirty="0" smtClean="0"/>
-              <a:t>4b. Linux/Mac: Start a terminal window</a:t>
-            </a:r>
+              <a:t>Linux </a:t>
+            </a:r>
+            <a:r>
+              <a:rPr lang="en-US" dirty="0"/>
+              <a:t>users: You may need to add </a:t>
+            </a:r>
+            <a:r>
+              <a:rPr lang="en-US" dirty="0">
+                <a:latin typeface="Consolas" panose="020B0609020204030204" pitchFamily="49" charset="0"/>
+              </a:rPr>
+              <a:t>$HOME\workshop-installer</a:t>
+            </a:r>
+            <a:r>
+              <a:rPr lang="en-US" dirty="0"/>
+              <a:t> to your PATH </a:t>
+            </a:r>
+            <a:r>
+              <a:rPr lang="en-US" dirty="0" smtClean="0"/>
+              <a:t>manually before the next step</a:t>
+            </a:r>
+            <a:endParaRPr lang="en-US" dirty="0" smtClean="0"/>
+          </a:p>
+          <a:p>
+            <a:r>
+              <a:rPr lang="en-US" dirty="0" smtClean="0"/>
+              <a:t>4. </a:t>
+            </a:r>
+            <a:r>
+              <a:rPr lang="en-US" dirty="0" smtClean="0"/>
+              <a:t>Open command prompt or terminal and</a:t>
+            </a:r>
+          </a:p>
+          <a:p>
+            <a:pPr lvl="1"/>
+            <a:r>
+              <a:rPr lang="en-US" dirty="0" smtClean="0"/>
+              <a:t>Windows: Run </a:t>
+            </a:r>
+            <a:r>
+              <a:rPr lang="en-US" dirty="0" err="1" smtClean="0">
+                <a:latin typeface="Consolas" panose="020B0609020204030204" pitchFamily="49" charset="0"/>
+              </a:rPr>
+              <a:t>jupyter</a:t>
+            </a:r>
+            <a:r>
+              <a:rPr lang="en-US" dirty="0" smtClean="0">
+                <a:latin typeface="Consolas" panose="020B0609020204030204" pitchFamily="49" charset="0"/>
+              </a:rPr>
+              <a:t>-notebook %USERPROFILE%</a:t>
+            </a:r>
+          </a:p>
+          <a:p>
+            <a:pPr lvl="1"/>
+            <a:r>
+              <a:rPr lang="en-US" dirty="0" smtClean="0">
+                <a:latin typeface="Consolas" panose="020B0609020204030204" pitchFamily="49" charset="0"/>
+              </a:rPr>
+              <a:t>Linux/Mac: </a:t>
+            </a:r>
+            <a:r>
+              <a:rPr lang="en-US" dirty="0"/>
+              <a:t>Run </a:t>
+            </a:r>
+            <a:r>
+              <a:rPr lang="en-US" dirty="0" err="1">
+                <a:latin typeface="Consolas" panose="020B0609020204030204" pitchFamily="49" charset="0"/>
+              </a:rPr>
+              <a:t>jupyter</a:t>
+            </a:r>
+            <a:r>
+              <a:rPr lang="en-US" dirty="0">
+                <a:latin typeface="Consolas" panose="020B0609020204030204" pitchFamily="49" charset="0"/>
+              </a:rPr>
+              <a:t>-notebook </a:t>
+            </a:r>
+            <a:r>
+              <a:rPr lang="en-US" dirty="0" smtClean="0">
+                <a:latin typeface="Consolas" panose="020B0609020204030204" pitchFamily="49" charset="0"/>
+              </a:rPr>
+              <a:t>$HOME</a:t>
+            </a:r>
+            <a:endParaRPr lang="en-US" dirty="0" smtClean="0">
+              <a:latin typeface="Consolas" panose="020B0609020204030204" pitchFamily="49" charset="0"/>
+            </a:endParaRPr>
           </a:p>
           <a:p>
             <a:endParaRPr lang="en-US" dirty="0"/>
           </a:p>
           <a:p>
-            <a:pPr marL="0" indent="0">
+            <a:pPr marL="0" indent="0" algn="ctr">
               <a:buNone/>
             </a:pPr>
             <a:r>
-              <a:rPr lang="en-US" dirty="0" smtClean="0"/>
+              <a:rPr lang="en-US" b="1" dirty="0" smtClean="0"/>
               <a:t>If you need help, please ask!</a:t>
             </a:r>
           </a:p>

--- a/2018-05-27-workshop-intro.pptx
+++ b/2018-05-27-workshop-intro.pptx
@@ -4602,7 +4602,7 @@
         </p:spPr>
         <p:txBody>
           <a:bodyPr>
-            <a:normAutofit fontScale="92500" lnSpcReduction="20000"/>
+            <a:normAutofit fontScale="85000" lnSpcReduction="20000"/>
           </a:bodyPr>
           <a:lstStyle/>
           <a:p>
@@ -4616,11 +4616,7 @@
             </a:r>
             <a:r>
               <a:rPr lang="en-US" dirty="0" smtClean="0"/>
-              <a:t> </a:t>
-            </a:r>
-            <a:r>
-              <a:rPr lang="en-US" dirty="0" smtClean="0"/>
-              <a:t>or copy from USB</a:t>
+              <a:t> or copy from USB</a:t>
             </a:r>
           </a:p>
           <a:p>
@@ -4635,51 +4631,103 @@
               <a:rPr lang="en-US" dirty="0" smtClean="0"/>
               <a:t>Accept license agreement and use default options</a:t>
             </a:r>
-            <a:endParaRPr lang="en-US" dirty="0" smtClean="0"/>
-          </a:p>
-          <a:p>
-            <a:r>
-              <a:rPr lang="en-US" dirty="0" smtClean="0"/>
-              <a:t>3. Copy the workshop files to somewhere in your HOME </a:t>
-            </a:r>
-            <a:r>
-              <a:rPr lang="en-US" dirty="0" smtClean="0"/>
-              <a:t>directory</a:t>
-            </a:r>
-          </a:p>
-          <a:p>
-            <a:r>
-              <a:rPr lang="en-US" dirty="0" smtClean="0"/>
+          </a:p>
+          <a:p>
+            <a:r>
+              <a:rPr lang="en-US" dirty="0" smtClean="0"/>
+              <a:t>3. Copy the workshop files to somewhere in your HOME directory</a:t>
+            </a:r>
+          </a:p>
+          <a:p>
+            <a:r>
+              <a:rPr lang="en-US" b="1" dirty="0" smtClean="0"/>
               <a:t>Linux </a:t>
             </a:r>
             <a:r>
+              <a:rPr lang="en-US" b="1" dirty="0"/>
+              <a:t>users</a:t>
+            </a:r>
+            <a:r>
               <a:rPr lang="en-US" dirty="0"/>
-              <a:t>users: You may need to add </a:t>
+              <a:t>: You may need </a:t>
+            </a:r>
+            <a:r>
+              <a:rPr lang="en-US" dirty="0" smtClean="0"/>
+              <a:t>to:</a:t>
+            </a:r>
+          </a:p>
+          <a:p>
+            <a:pPr lvl="1"/>
+            <a:r>
+              <a:rPr lang="en-US" dirty="0"/>
+              <a:t>A</a:t>
+            </a:r>
+            <a:r>
+              <a:rPr lang="en-US" dirty="0" smtClean="0"/>
+              <a:t>dd </a:t>
             </a:r>
             <a:r>
               <a:rPr lang="en-US" dirty="0">
                 <a:latin typeface="Consolas" panose="020B0609020204030204" pitchFamily="49" charset="0"/>
               </a:rPr>
-              <a:t>$HOME\workshop-installer</a:t>
+              <a:t>$</a:t>
+            </a:r>
+            <a:r>
+              <a:rPr lang="en-US" dirty="0" smtClean="0">
+                <a:latin typeface="Consolas" panose="020B0609020204030204" pitchFamily="49" charset="0"/>
+              </a:rPr>
+              <a:t>HOME\workshop-installer\bin</a:t>
+            </a:r>
+            <a:r>
+              <a:rPr lang="en-US" dirty="0" smtClean="0"/>
+              <a:t> </a:t>
             </a:r>
             <a:r>
               <a:rPr lang="en-US" dirty="0"/>
-              <a:t> to your PATH </a:t>
-            </a:r>
-            <a:r>
-              <a:rPr lang="en-US" dirty="0" smtClean="0"/>
-              <a:t>manually before the next step</a:t>
-            </a:r>
-            <a:endParaRPr lang="en-US" dirty="0" smtClean="0"/>
-          </a:p>
-          <a:p>
-            <a:r>
-              <a:rPr lang="en-US" dirty="0" smtClean="0"/>
-              <a:t>4. </a:t>
-            </a:r>
-            <a:r>
-              <a:rPr lang="en-US" dirty="0" smtClean="0"/>
-              <a:t>Open command prompt or terminal and</a:t>
+              <a:t>to your </a:t>
+            </a:r>
+            <a:r>
+              <a:rPr lang="en-US" dirty="0" smtClean="0"/>
+              <a:t>PATH</a:t>
+            </a:r>
+          </a:p>
+          <a:p>
+            <a:pPr lvl="1"/>
+            <a:r>
+              <a:rPr lang="en-US" dirty="0" smtClean="0"/>
+              <a:t>Add</a:t>
+            </a:r>
+            <a:r>
+              <a:rPr lang="en-US" b="1" dirty="0" smtClean="0"/>
+              <a:t> </a:t>
+            </a:r>
+            <a:r>
+              <a:rPr lang="en-US" dirty="0" smtClean="0">
+                <a:latin typeface="Consolas" panose="020B0609020204030204" pitchFamily="49" charset="0"/>
+              </a:rPr>
+              <a:t>$HOME\workshop-installer\site-packages</a:t>
+            </a:r>
+            <a:r>
+              <a:rPr lang="en-US" dirty="0" smtClean="0"/>
+              <a:t> </a:t>
+            </a:r>
+            <a:r>
+              <a:rPr lang="en-US" dirty="0"/>
+              <a:t>to your </a:t>
+            </a:r>
+            <a:r>
+              <a:rPr lang="en-US" dirty="0" smtClean="0"/>
+              <a:t>PYTHONPATH</a:t>
+            </a:r>
+          </a:p>
+          <a:p>
+            <a:r>
+              <a:rPr lang="en-US" dirty="0" smtClean="0"/>
+              <a:t>4</a:t>
+            </a:r>
+            <a:r>
+              <a:rPr lang="en-US" dirty="0" smtClean="0"/>
+              <a:t>. Open command prompt or terminal and</a:t>
             </a:r>
           </a:p>
           <a:p>
@@ -4731,9 +4779,6 @@
               </a:rPr>
               <a:t>$HOME</a:t>
             </a:r>
-            <a:endParaRPr lang="en-US" dirty="0" smtClean="0">
-              <a:latin typeface="Consolas" panose="020B0609020204030204" pitchFamily="49" charset="0"/>
-            </a:endParaRPr>
           </a:p>
           <a:p>
             <a:endParaRPr lang="en-US" dirty="0"/>
